--- a/03 - Animaciones.pptx
+++ b/03 - Animaciones.pptx
@@ -5,12 +5,11 @@
     <p:sldMasterId id="2147483672" r:id="rId1"/>
   </p:sldMasterIdLst>
   <p:notesMasterIdLst>
-    <p:notesMasterId r:id="rId5"/>
+    <p:notesMasterId r:id="rId4"/>
   </p:notesMasterIdLst>
   <p:sldIdLst>
     <p:sldId id="338" r:id="rId2"/>
-    <p:sldId id="553" r:id="rId3"/>
-    <p:sldId id="554" r:id="rId4"/>
+    <p:sldId id="554" r:id="rId3"/>
   </p:sldIdLst>
   <p:sldSz cx="12192000" cy="6858000"/>
   <p:notesSz cx="6858000" cy="9144000"/>
@@ -3438,1500 +3437,6 @@
       </p:grpSpPr>
       <p:cxnSp>
         <p:nvCxnSpPr>
-          <p:cNvPr id="39" name="Conector recto de flecha 38">
-            <a:extLst>
-              <a:ext uri="{FF2B5EF4-FFF2-40B4-BE49-F238E27FC236}">
-                <a16:creationId xmlns:a16="http://schemas.microsoft.com/office/drawing/2014/main" id="{4FA53388-09B0-493B-A2BF-EE97E169BD8A}"/>
-              </a:ext>
-            </a:extLst>
-          </p:cNvPr>
-          <p:cNvCxnSpPr>
-            <a:cxnSpLocks/>
-            <a:stCxn id="70" idx="1"/>
-            <a:endCxn id="27" idx="3"/>
-          </p:cNvCxnSpPr>
-          <p:nvPr/>
-        </p:nvCxnSpPr>
-        <p:spPr>
-          <a:xfrm flipH="1" flipV="1">
-            <a:off x="5876934" y="1748801"/>
-            <a:ext cx="310540" cy="6564"/>
-          </a:xfrm>
-          <a:prstGeom prst="straightConnector1">
-            <a:avLst/>
-          </a:prstGeom>
-          <a:ln w="28575">
-            <a:solidFill>
-              <a:schemeClr val="tx1"/>
-            </a:solidFill>
-            <a:tailEnd type="triangle"/>
-          </a:ln>
-        </p:spPr>
-        <p:style>
-          <a:lnRef idx="1">
-            <a:schemeClr val="accent1"/>
-          </a:lnRef>
-          <a:fillRef idx="0">
-            <a:schemeClr val="accent1"/>
-          </a:fillRef>
-          <a:effectRef idx="0">
-            <a:schemeClr val="accent1"/>
-          </a:effectRef>
-          <a:fontRef idx="minor">
-            <a:schemeClr val="tx1"/>
-          </a:fontRef>
-        </p:style>
-      </p:cxnSp>
-      <p:cxnSp>
-        <p:nvCxnSpPr>
-          <p:cNvPr id="37" name="Conector recto de flecha 36">
-            <a:extLst>
-              <a:ext uri="{FF2B5EF4-FFF2-40B4-BE49-F238E27FC236}">
-                <a16:creationId xmlns:a16="http://schemas.microsoft.com/office/drawing/2014/main" id="{6757EC03-BD43-4ADB-ABDD-D4A714CB440F}"/>
-              </a:ext>
-            </a:extLst>
-          </p:cNvPr>
-          <p:cNvCxnSpPr>
-            <a:cxnSpLocks/>
-            <a:stCxn id="28" idx="0"/>
-            <a:endCxn id="70" idx="2"/>
-          </p:cNvCxnSpPr>
-          <p:nvPr/>
-        </p:nvCxnSpPr>
-        <p:spPr>
-          <a:xfrm flipV="1">
-            <a:off x="6727474" y="2295365"/>
-            <a:ext cx="0" cy="895969"/>
-          </a:xfrm>
-          <a:prstGeom prst="straightConnector1">
-            <a:avLst/>
-          </a:prstGeom>
-          <a:ln w="28575">
-            <a:solidFill>
-              <a:schemeClr val="tx1"/>
-            </a:solidFill>
-            <a:tailEnd type="triangle"/>
-          </a:ln>
-        </p:spPr>
-        <p:style>
-          <a:lnRef idx="1">
-            <a:schemeClr val="accent1"/>
-          </a:lnRef>
-          <a:fillRef idx="0">
-            <a:schemeClr val="accent1"/>
-          </a:fillRef>
-          <a:effectRef idx="0">
-            <a:schemeClr val="accent1"/>
-          </a:effectRef>
-          <a:fontRef idx="minor">
-            <a:schemeClr val="tx1"/>
-          </a:fontRef>
-        </p:style>
-      </p:cxnSp>
-      <p:sp>
-        <p:nvSpPr>
-          <p:cNvPr id="2" name="Rectángulo 117">
-            <a:extLst>
-              <a:ext uri="{FF2B5EF4-FFF2-40B4-BE49-F238E27FC236}">
-                <a16:creationId xmlns:a16="http://schemas.microsoft.com/office/drawing/2014/main" id="{F75B5D53-8E7A-4342-9CE2-383AA90893E8}"/>
-              </a:ext>
-            </a:extLst>
-          </p:cNvPr>
-          <p:cNvSpPr/>
-          <p:nvPr/>
-        </p:nvSpPr>
-        <p:spPr>
-          <a:xfrm>
-            <a:off x="0" y="103020"/>
-            <a:ext cx="12192000" cy="914400"/>
-          </a:xfrm>
-          <a:prstGeom prst="rect">
-            <a:avLst/>
-          </a:prstGeom>
-          <a:solidFill>
-            <a:schemeClr val="tx1"/>
-          </a:solidFill>
-          <a:ln>
-            <a:noFill/>
-          </a:ln>
-        </p:spPr>
-        <p:style>
-          <a:lnRef idx="2">
-            <a:schemeClr val="accent1">
-              <a:shade val="50000"/>
-            </a:schemeClr>
-          </a:lnRef>
-          <a:fillRef idx="1">
-            <a:schemeClr val="accent1"/>
-          </a:fillRef>
-          <a:effectRef idx="0">
-            <a:schemeClr val="accent1"/>
-          </a:effectRef>
-          <a:fontRef idx="minor">
-            <a:schemeClr val="lt1"/>
-          </a:fontRef>
-        </p:style>
-        <p:txBody>
-          <a:bodyPr rtlCol="0" anchor="ctr"/>
-          <a:lstStyle/>
-          <a:p>
-            <a:pPr algn="ctr"/>
-            <a:r>
-              <a:rPr lang="es-ES" sz="7200" dirty="0"/>
-              <a:t>SCRIPT MAP</a:t>
-            </a:r>
-          </a:p>
-        </p:txBody>
-      </p:sp>
-      <p:sp>
-        <p:nvSpPr>
-          <p:cNvPr id="25" name="Elipse 24">
-            <a:extLst>
-              <a:ext uri="{FF2B5EF4-FFF2-40B4-BE49-F238E27FC236}">
-                <a16:creationId xmlns:a16="http://schemas.microsoft.com/office/drawing/2014/main" id="{12DD3293-BD6A-4F7E-8228-A30BCAC1355D}"/>
-              </a:ext>
-            </a:extLst>
-          </p:cNvPr>
-          <p:cNvSpPr/>
-          <p:nvPr/>
-        </p:nvSpPr>
-        <p:spPr>
-          <a:xfrm>
-            <a:off x="217715" y="333797"/>
-            <a:ext cx="452846" cy="452846"/>
-          </a:xfrm>
-          <a:prstGeom prst="ellipse">
-            <a:avLst/>
-          </a:prstGeom>
-          <a:solidFill>
-            <a:schemeClr val="bg1"/>
-          </a:solidFill>
-          <a:ln w="38100">
-            <a:solidFill>
-              <a:schemeClr val="tx1"/>
-            </a:solidFill>
-          </a:ln>
-        </p:spPr>
-        <p:style>
-          <a:lnRef idx="2">
-            <a:schemeClr val="accent1">
-              <a:shade val="50000"/>
-            </a:schemeClr>
-          </a:lnRef>
-          <a:fillRef idx="1">
-            <a:schemeClr val="accent1"/>
-          </a:fillRef>
-          <a:effectRef idx="0">
-            <a:schemeClr val="accent1"/>
-          </a:effectRef>
-          <a:fontRef idx="minor">
-            <a:schemeClr val="lt1"/>
-          </a:fontRef>
-        </p:style>
-        <p:txBody>
-          <a:bodyPr rtlCol="0" anchor="ctr"/>
-          <a:lstStyle/>
-          <a:p>
-            <a:pPr algn="ctr"/>
-            <a:r>
-              <a:rPr lang="es-ES" sz="3200" dirty="0">
-                <a:solidFill>
-                  <a:schemeClr val="tx1"/>
-                </a:solidFill>
-              </a:rPr>
-              <a:t>1</a:t>
-            </a:r>
-          </a:p>
-        </p:txBody>
-      </p:sp>
-      <p:cxnSp>
-        <p:nvCxnSpPr>
-          <p:cNvPr id="44" name="Conector: angular 43">
-            <a:extLst>
-              <a:ext uri="{FF2B5EF4-FFF2-40B4-BE49-F238E27FC236}">
-                <a16:creationId xmlns:a16="http://schemas.microsoft.com/office/drawing/2014/main" id="{E2DBABA3-EB76-400B-8362-7E92EBC9B7BC}"/>
-              </a:ext>
-            </a:extLst>
-          </p:cNvPr>
-          <p:cNvCxnSpPr>
-            <a:cxnSpLocks/>
-            <a:stCxn id="36" idx="0"/>
-            <a:endCxn id="42" idx="1"/>
-          </p:cNvCxnSpPr>
-          <p:nvPr/>
-        </p:nvCxnSpPr>
-        <p:spPr>
-          <a:xfrm rot="5400000" flipH="1" flipV="1">
-            <a:off x="2641018" y="3688886"/>
-            <a:ext cx="950136" cy="1029216"/>
-          </a:xfrm>
-          <a:prstGeom prst="bentConnector2">
-            <a:avLst/>
-          </a:prstGeom>
-          <a:ln w="28575">
-            <a:solidFill>
-              <a:schemeClr val="tx1"/>
-            </a:solidFill>
-            <a:tailEnd type="triangle"/>
-          </a:ln>
-        </p:spPr>
-        <p:style>
-          <a:lnRef idx="1">
-            <a:schemeClr val="accent1"/>
-          </a:lnRef>
-          <a:fillRef idx="0">
-            <a:schemeClr val="accent1"/>
-          </a:fillRef>
-          <a:effectRef idx="0">
-            <a:schemeClr val="accent1"/>
-          </a:effectRef>
-          <a:fontRef idx="minor">
-            <a:schemeClr val="tx1"/>
-          </a:fontRef>
-        </p:style>
-      </p:cxnSp>
-      <p:cxnSp>
-        <p:nvCxnSpPr>
-          <p:cNvPr id="45" name="Conector: angular 44">
-            <a:extLst>
-              <a:ext uri="{FF2B5EF4-FFF2-40B4-BE49-F238E27FC236}">
-                <a16:creationId xmlns:a16="http://schemas.microsoft.com/office/drawing/2014/main" id="{792C5E3E-2951-4648-9050-E975067935C8}"/>
-              </a:ext>
-            </a:extLst>
-          </p:cNvPr>
-          <p:cNvCxnSpPr>
-            <a:cxnSpLocks/>
-            <a:stCxn id="33" idx="2"/>
-            <a:endCxn id="42" idx="1"/>
-          </p:cNvCxnSpPr>
-          <p:nvPr/>
-        </p:nvCxnSpPr>
-        <p:spPr>
-          <a:xfrm rot="16200000" flipH="1">
-            <a:off x="2642603" y="2740334"/>
-            <a:ext cx="946967" cy="1029215"/>
-          </a:xfrm>
-          <a:prstGeom prst="bentConnector2">
-            <a:avLst/>
-          </a:prstGeom>
-          <a:ln w="28575">
-            <a:solidFill>
-              <a:schemeClr val="tx1"/>
-            </a:solidFill>
-            <a:tailEnd type="triangle"/>
-          </a:ln>
-        </p:spPr>
-        <p:style>
-          <a:lnRef idx="1">
-            <a:schemeClr val="accent1"/>
-          </a:lnRef>
-          <a:fillRef idx="0">
-            <a:schemeClr val="accent1"/>
-          </a:fillRef>
-          <a:effectRef idx="0">
-            <a:schemeClr val="accent1"/>
-          </a:effectRef>
-          <a:fontRef idx="minor">
-            <a:schemeClr val="tx1"/>
-          </a:fontRef>
-        </p:style>
-      </p:cxnSp>
-      <p:cxnSp>
-        <p:nvCxnSpPr>
-          <p:cNvPr id="46" name="Conector: angular 45">
-            <a:extLst>
-              <a:ext uri="{FF2B5EF4-FFF2-40B4-BE49-F238E27FC236}">
-                <a16:creationId xmlns:a16="http://schemas.microsoft.com/office/drawing/2014/main" id="{052DE47D-04FC-41A7-A743-C5A64963E8A1}"/>
-              </a:ext>
-            </a:extLst>
-          </p:cNvPr>
-          <p:cNvCxnSpPr>
-            <a:cxnSpLocks/>
-            <a:stCxn id="3" idx="2"/>
-            <a:endCxn id="42" idx="1"/>
-          </p:cNvCxnSpPr>
-          <p:nvPr/>
-        </p:nvCxnSpPr>
-        <p:spPr>
-          <a:xfrm rot="16200000" flipH="1">
-            <a:off x="1827234" y="1924966"/>
-            <a:ext cx="957706" cy="2649214"/>
-          </a:xfrm>
-          <a:prstGeom prst="bentConnector2">
-            <a:avLst/>
-          </a:prstGeom>
-          <a:ln w="28575">
-            <a:solidFill>
-              <a:schemeClr val="tx1"/>
-            </a:solidFill>
-            <a:tailEnd type="triangle"/>
-          </a:ln>
-        </p:spPr>
-        <p:style>
-          <a:lnRef idx="1">
-            <a:schemeClr val="accent1"/>
-          </a:lnRef>
-          <a:fillRef idx="0">
-            <a:schemeClr val="accent1"/>
-          </a:fillRef>
-          <a:effectRef idx="0">
-            <a:schemeClr val="accent1"/>
-          </a:effectRef>
-          <a:fontRef idx="minor">
-            <a:schemeClr val="tx1"/>
-          </a:fontRef>
-        </p:style>
-      </p:cxnSp>
-      <p:cxnSp>
-        <p:nvCxnSpPr>
-          <p:cNvPr id="47" name="Conector: angular 46">
-            <a:extLst>
-              <a:ext uri="{FF2B5EF4-FFF2-40B4-BE49-F238E27FC236}">
-                <a16:creationId xmlns:a16="http://schemas.microsoft.com/office/drawing/2014/main" id="{F9E62CBD-82CD-4577-9F79-68BAFBA23FBE}"/>
-              </a:ext>
-            </a:extLst>
-          </p:cNvPr>
-          <p:cNvCxnSpPr>
-            <a:cxnSpLocks/>
-            <a:stCxn id="34" idx="0"/>
-            <a:endCxn id="42" idx="1"/>
-          </p:cNvCxnSpPr>
-          <p:nvPr/>
-        </p:nvCxnSpPr>
-        <p:spPr>
-          <a:xfrm rot="5400000" flipH="1" flipV="1">
-            <a:off x="1823661" y="2886245"/>
-            <a:ext cx="964852" cy="2649214"/>
-          </a:xfrm>
-          <a:prstGeom prst="bentConnector2">
-            <a:avLst/>
-          </a:prstGeom>
-          <a:ln w="28575">
-            <a:solidFill>
-              <a:schemeClr val="tx1"/>
-            </a:solidFill>
-            <a:tailEnd type="triangle"/>
-          </a:ln>
-        </p:spPr>
-        <p:style>
-          <a:lnRef idx="1">
-            <a:schemeClr val="accent1"/>
-          </a:lnRef>
-          <a:fillRef idx="0">
-            <a:schemeClr val="accent1"/>
-          </a:fillRef>
-          <a:effectRef idx="0">
-            <a:schemeClr val="accent1"/>
-          </a:effectRef>
-          <a:fontRef idx="minor">
-            <a:schemeClr val="tx1"/>
-          </a:fontRef>
-        </p:style>
-      </p:cxnSp>
-      <p:cxnSp>
-        <p:nvCxnSpPr>
-          <p:cNvPr id="52" name="Conector: angular 51">
-            <a:extLst>
-              <a:ext uri="{FF2B5EF4-FFF2-40B4-BE49-F238E27FC236}">
-                <a16:creationId xmlns:a16="http://schemas.microsoft.com/office/drawing/2014/main" id="{C969A176-BB83-4DF0-BAC0-111C3524E976}"/>
-              </a:ext>
-            </a:extLst>
-          </p:cNvPr>
-          <p:cNvCxnSpPr>
-            <a:cxnSpLocks/>
-            <a:stCxn id="34" idx="2"/>
-            <a:endCxn id="36" idx="2"/>
-          </p:cNvCxnSpPr>
-          <p:nvPr/>
-        </p:nvCxnSpPr>
-        <p:spPr>
-          <a:xfrm rot="5400000" flipH="1" flipV="1">
-            <a:off x="1784121" y="4955921"/>
-            <a:ext cx="14716" cy="1619998"/>
-          </a:xfrm>
-          <a:prstGeom prst="bentConnector3">
-            <a:avLst>
-              <a:gd name="adj1" fmla="val -2294489"/>
-            </a:avLst>
-          </a:prstGeom>
-          <a:ln w="28575">
-            <a:solidFill>
-              <a:schemeClr val="tx1"/>
-            </a:solidFill>
-            <a:tailEnd type="triangle"/>
-          </a:ln>
-        </p:spPr>
-        <p:style>
-          <a:lnRef idx="1">
-            <a:schemeClr val="accent1"/>
-          </a:lnRef>
-          <a:fillRef idx="0">
-            <a:schemeClr val="accent1"/>
-          </a:fillRef>
-          <a:effectRef idx="0">
-            <a:schemeClr val="accent1"/>
-          </a:effectRef>
-          <a:fontRef idx="minor">
-            <a:schemeClr val="tx1"/>
-          </a:fontRef>
-        </p:style>
-      </p:cxnSp>
-      <p:sp>
-        <p:nvSpPr>
-          <p:cNvPr id="3" name="Rectángulo: esquinas redondeadas 2">
-            <a:extLst>
-              <a:ext uri="{FF2B5EF4-FFF2-40B4-BE49-F238E27FC236}">
-                <a16:creationId xmlns:a16="http://schemas.microsoft.com/office/drawing/2014/main" id="{17BB0EBE-83B4-422B-A61E-388B24D6E745}"/>
-              </a:ext>
-            </a:extLst>
-          </p:cNvPr>
-          <p:cNvSpPr/>
-          <p:nvPr/>
-        </p:nvSpPr>
-        <p:spPr>
-          <a:xfrm>
-            <a:off x="441480" y="1690720"/>
-            <a:ext cx="1080000" cy="1080000"/>
-          </a:xfrm>
-          <a:prstGeom prst="roundRect">
-            <a:avLst/>
-          </a:prstGeom>
-          <a:noFill/>
-          <a:ln w="38100">
-            <a:solidFill>
-              <a:schemeClr val="accent6"/>
-            </a:solidFill>
-          </a:ln>
-        </p:spPr>
-        <p:style>
-          <a:lnRef idx="2">
-            <a:schemeClr val="accent1">
-              <a:shade val="50000"/>
-            </a:schemeClr>
-          </a:lnRef>
-          <a:fillRef idx="1">
-            <a:schemeClr val="accent1"/>
-          </a:fillRef>
-          <a:effectRef idx="0">
-            <a:schemeClr val="accent1"/>
-          </a:effectRef>
-          <a:fontRef idx="minor">
-            <a:schemeClr val="lt1"/>
-          </a:fontRef>
-        </p:style>
-        <p:txBody>
-          <a:bodyPr rtlCol="0" anchor="ctr"/>
-          <a:lstStyle/>
-          <a:p>
-            <a:pPr algn="ctr"/>
-            <a:r>
-              <a:rPr lang="en-US" sz="1600" i="1" u="sng" dirty="0">
-                <a:solidFill>
-                  <a:schemeClr val="tx1"/>
-                </a:solidFill>
-              </a:rPr>
-              <a:t>Script 1</a:t>
-            </a:r>
-            <a:r>
-              <a:rPr lang="en-US" sz="1600" dirty="0">
-                <a:solidFill>
-                  <a:schemeClr val="tx1"/>
-                </a:solidFill>
-              </a:rPr>
-              <a:t> Control Manager</a:t>
-            </a:r>
-          </a:p>
-        </p:txBody>
-      </p:sp>
-      <p:sp>
-        <p:nvSpPr>
-          <p:cNvPr id="33" name="Rectángulo: esquinas redondeadas 32">
-            <a:extLst>
-              <a:ext uri="{FF2B5EF4-FFF2-40B4-BE49-F238E27FC236}">
-                <a16:creationId xmlns:a16="http://schemas.microsoft.com/office/drawing/2014/main" id="{2EC6744A-2278-49C7-8596-61AA36AF3035}"/>
-              </a:ext>
-            </a:extLst>
-          </p:cNvPr>
-          <p:cNvSpPr/>
-          <p:nvPr/>
-        </p:nvSpPr>
-        <p:spPr>
-          <a:xfrm>
-            <a:off x="2061479" y="1701459"/>
-            <a:ext cx="1080000" cy="1080000"/>
-          </a:xfrm>
-          <a:prstGeom prst="roundRect">
-            <a:avLst/>
-          </a:prstGeom>
-          <a:noFill/>
-          <a:ln w="38100">
-            <a:solidFill>
-              <a:schemeClr val="accent6"/>
-            </a:solidFill>
-          </a:ln>
-        </p:spPr>
-        <p:style>
-          <a:lnRef idx="2">
-            <a:schemeClr val="accent1">
-              <a:shade val="50000"/>
-            </a:schemeClr>
-          </a:lnRef>
-          <a:fillRef idx="1">
-            <a:schemeClr val="accent1"/>
-          </a:fillRef>
-          <a:effectRef idx="0">
-            <a:schemeClr val="accent1"/>
-          </a:effectRef>
-          <a:fontRef idx="minor">
-            <a:schemeClr val="lt1"/>
-          </a:fontRef>
-        </p:style>
-        <p:txBody>
-          <a:bodyPr rtlCol="0" anchor="ctr"/>
-          <a:lstStyle/>
-          <a:p>
-            <a:pPr algn="ctr"/>
-            <a:r>
-              <a:rPr lang="en-US" sz="1600" i="1" u="sng" dirty="0">
-                <a:solidFill>
-                  <a:schemeClr val="tx1"/>
-                </a:solidFill>
-              </a:rPr>
-              <a:t>Script 2</a:t>
-            </a:r>
-            <a:r>
-              <a:rPr lang="en-US" sz="1600" dirty="0">
-                <a:solidFill>
-                  <a:schemeClr val="tx1"/>
-                </a:solidFill>
-              </a:rPr>
-              <a:t> State Manager</a:t>
-            </a:r>
-          </a:p>
-        </p:txBody>
-      </p:sp>
-      <p:sp>
-        <p:nvSpPr>
-          <p:cNvPr id="34" name="Rectángulo: esquinas redondeadas 33">
-            <a:extLst>
-              <a:ext uri="{FF2B5EF4-FFF2-40B4-BE49-F238E27FC236}">
-                <a16:creationId xmlns:a16="http://schemas.microsoft.com/office/drawing/2014/main" id="{5044CF5E-010B-4601-A31D-FCE44614CC31}"/>
-              </a:ext>
-            </a:extLst>
-          </p:cNvPr>
-          <p:cNvSpPr/>
-          <p:nvPr/>
-        </p:nvSpPr>
-        <p:spPr>
-          <a:xfrm>
-            <a:off x="441480" y="4693278"/>
-            <a:ext cx="1080000" cy="1080000"/>
-          </a:xfrm>
-          <a:prstGeom prst="roundRect">
-            <a:avLst/>
-          </a:prstGeom>
-          <a:noFill/>
-          <a:ln w="38100">
-            <a:solidFill>
-              <a:schemeClr val="accent6"/>
-            </a:solidFill>
-          </a:ln>
-        </p:spPr>
-        <p:style>
-          <a:lnRef idx="2">
-            <a:schemeClr val="accent1">
-              <a:shade val="50000"/>
-            </a:schemeClr>
-          </a:lnRef>
-          <a:fillRef idx="1">
-            <a:schemeClr val="accent1"/>
-          </a:fillRef>
-          <a:effectRef idx="0">
-            <a:schemeClr val="accent1"/>
-          </a:effectRef>
-          <a:fontRef idx="minor">
-            <a:schemeClr val="lt1"/>
-          </a:fontRef>
-        </p:style>
-        <p:txBody>
-          <a:bodyPr rtlCol="0" anchor="ctr"/>
-          <a:lstStyle/>
-          <a:p>
-            <a:pPr algn="ctr"/>
-            <a:r>
-              <a:rPr lang="en-US" sz="1600" i="1" u="sng" dirty="0">
-                <a:solidFill>
-                  <a:schemeClr val="tx1"/>
-                </a:solidFill>
-              </a:rPr>
-              <a:t>Script 3 </a:t>
-            </a:r>
-            <a:r>
-              <a:rPr lang="en-US" sz="1500" dirty="0">
-                <a:solidFill>
-                  <a:schemeClr val="tx1"/>
-                </a:solidFill>
-              </a:rPr>
-              <a:t>Character Stats</a:t>
-            </a:r>
-          </a:p>
-        </p:txBody>
-      </p:sp>
-      <p:sp>
-        <p:nvSpPr>
-          <p:cNvPr id="36" name="Rectángulo: esquinas redondeadas 35">
-            <a:extLst>
-              <a:ext uri="{FF2B5EF4-FFF2-40B4-BE49-F238E27FC236}">
-                <a16:creationId xmlns:a16="http://schemas.microsoft.com/office/drawing/2014/main" id="{D1634ED2-983D-4E50-AAAF-3688C6886397}"/>
-              </a:ext>
-            </a:extLst>
-          </p:cNvPr>
-          <p:cNvSpPr/>
-          <p:nvPr/>
-        </p:nvSpPr>
-        <p:spPr>
-          <a:xfrm>
-            <a:off x="2061478" y="4678562"/>
-            <a:ext cx="1080000" cy="1080000"/>
-          </a:xfrm>
-          <a:prstGeom prst="roundRect">
-            <a:avLst/>
-          </a:prstGeom>
-          <a:noFill/>
-          <a:ln w="38100">
-            <a:solidFill>
-              <a:schemeClr val="accent6"/>
-            </a:solidFill>
-          </a:ln>
-        </p:spPr>
-        <p:style>
-          <a:lnRef idx="2">
-            <a:schemeClr val="accent1">
-              <a:shade val="50000"/>
-            </a:schemeClr>
-          </a:lnRef>
-          <a:fillRef idx="1">
-            <a:schemeClr val="accent1"/>
-          </a:fillRef>
-          <a:effectRef idx="0">
-            <a:schemeClr val="accent1"/>
-          </a:effectRef>
-          <a:fontRef idx="minor">
-            <a:schemeClr val="lt1"/>
-          </a:fontRef>
-        </p:style>
-        <p:txBody>
-          <a:bodyPr rtlCol="0" anchor="ctr"/>
-          <a:lstStyle/>
-          <a:p>
-            <a:pPr algn="ctr"/>
-            <a:r>
-              <a:rPr lang="en-US" sz="1600" u="sng" dirty="0">
-                <a:solidFill>
-                  <a:schemeClr val="tx1"/>
-                </a:solidFill>
-              </a:rPr>
-              <a:t>Script 4</a:t>
-            </a:r>
-            <a:r>
-              <a:rPr lang="en-US" sz="1600" dirty="0">
-                <a:solidFill>
-                  <a:schemeClr val="tx1"/>
-                </a:solidFill>
-              </a:rPr>
-              <a:t> Universal Physics Manager</a:t>
-            </a:r>
-          </a:p>
-        </p:txBody>
-      </p:sp>
-      <p:sp>
-        <p:nvSpPr>
-          <p:cNvPr id="56" name="Rectángulo: esquinas redondeadas 55">
-            <a:extLst>
-              <a:ext uri="{FF2B5EF4-FFF2-40B4-BE49-F238E27FC236}">
-                <a16:creationId xmlns:a16="http://schemas.microsoft.com/office/drawing/2014/main" id="{5E0B1FE1-9D41-4A24-BB3F-0EC4FA913D98}"/>
-              </a:ext>
-            </a:extLst>
-          </p:cNvPr>
-          <p:cNvSpPr/>
-          <p:nvPr/>
-        </p:nvSpPr>
-        <p:spPr>
-          <a:xfrm>
-            <a:off x="416313" y="2948401"/>
-            <a:ext cx="1132513" cy="407524"/>
-          </a:xfrm>
-          <a:prstGeom prst="roundRect">
-            <a:avLst/>
-          </a:prstGeom>
-          <a:solidFill>
-            <a:schemeClr val="bg1"/>
-          </a:solidFill>
-          <a:ln w="28575">
-            <a:solidFill>
-              <a:schemeClr val="tx1"/>
-            </a:solidFill>
-          </a:ln>
-        </p:spPr>
-        <p:style>
-          <a:lnRef idx="2">
-            <a:schemeClr val="accent1">
-              <a:shade val="50000"/>
-            </a:schemeClr>
-          </a:lnRef>
-          <a:fillRef idx="1">
-            <a:schemeClr val="accent1"/>
-          </a:fillRef>
-          <a:effectRef idx="0">
-            <a:schemeClr val="accent1"/>
-          </a:effectRef>
-          <a:fontRef idx="minor">
-            <a:schemeClr val="lt1"/>
-          </a:fontRef>
-        </p:style>
-        <p:txBody>
-          <a:bodyPr rtlCol="0" anchor="ctr"/>
-          <a:lstStyle/>
-          <a:p>
-            <a:pPr algn="ctr"/>
-            <a:r>
-              <a:rPr lang="en-US">
-                <a:solidFill>
-                  <a:schemeClr val="tx1"/>
-                </a:solidFill>
-              </a:rPr>
-              <a:t>Input</a:t>
-            </a:r>
-          </a:p>
-        </p:txBody>
-      </p:sp>
-      <p:sp>
-        <p:nvSpPr>
-          <p:cNvPr id="64" name="Rectángulo: esquinas redondeadas 63">
-            <a:extLst>
-              <a:ext uri="{FF2B5EF4-FFF2-40B4-BE49-F238E27FC236}">
-                <a16:creationId xmlns:a16="http://schemas.microsoft.com/office/drawing/2014/main" id="{E9F3D1BE-CBAA-4E26-B963-2D476B4E2D91}"/>
-              </a:ext>
-            </a:extLst>
-          </p:cNvPr>
-          <p:cNvSpPr/>
-          <p:nvPr/>
-        </p:nvSpPr>
-        <p:spPr>
-          <a:xfrm>
-            <a:off x="2040982" y="2948401"/>
-            <a:ext cx="1132513" cy="407524"/>
-          </a:xfrm>
-          <a:prstGeom prst="roundRect">
-            <a:avLst/>
-          </a:prstGeom>
-          <a:solidFill>
-            <a:schemeClr val="bg1"/>
-          </a:solidFill>
-          <a:ln w="28575">
-            <a:solidFill>
-              <a:schemeClr val="tx1"/>
-            </a:solidFill>
-          </a:ln>
-        </p:spPr>
-        <p:style>
-          <a:lnRef idx="2">
-            <a:schemeClr val="accent1">
-              <a:shade val="50000"/>
-            </a:schemeClr>
-          </a:lnRef>
-          <a:fillRef idx="1">
-            <a:schemeClr val="accent1"/>
-          </a:fillRef>
-          <a:effectRef idx="0">
-            <a:schemeClr val="accent1"/>
-          </a:effectRef>
-          <a:fontRef idx="minor">
-            <a:schemeClr val="lt1"/>
-          </a:fontRef>
-        </p:style>
-        <p:txBody>
-          <a:bodyPr rtlCol="0" anchor="ctr"/>
-          <a:lstStyle/>
-          <a:p>
-            <a:pPr algn="ctr"/>
-            <a:r>
-              <a:rPr lang="en-US" dirty="0">
-                <a:solidFill>
-                  <a:schemeClr val="tx1"/>
-                </a:solidFill>
-              </a:rPr>
-              <a:t>State</a:t>
-            </a:r>
-          </a:p>
-        </p:txBody>
-      </p:sp>
-      <p:sp>
-        <p:nvSpPr>
-          <p:cNvPr id="65" name="Rectángulo: esquinas redondeadas 64">
-            <a:extLst>
-              <a:ext uri="{FF2B5EF4-FFF2-40B4-BE49-F238E27FC236}">
-                <a16:creationId xmlns:a16="http://schemas.microsoft.com/office/drawing/2014/main" id="{E884B28D-D799-4A91-A8C7-004B826D1276}"/>
-              </a:ext>
-            </a:extLst>
-          </p:cNvPr>
-          <p:cNvSpPr/>
-          <p:nvPr/>
-        </p:nvSpPr>
-        <p:spPr>
-          <a:xfrm>
-            <a:off x="421657" y="4064664"/>
-            <a:ext cx="1132513" cy="407524"/>
-          </a:xfrm>
-          <a:prstGeom prst="roundRect">
-            <a:avLst/>
-          </a:prstGeom>
-          <a:solidFill>
-            <a:schemeClr val="bg1"/>
-          </a:solidFill>
-          <a:ln w="28575">
-            <a:solidFill>
-              <a:schemeClr val="tx1"/>
-            </a:solidFill>
-          </a:ln>
-        </p:spPr>
-        <p:style>
-          <a:lnRef idx="2">
-            <a:schemeClr val="accent1">
-              <a:shade val="50000"/>
-            </a:schemeClr>
-          </a:lnRef>
-          <a:fillRef idx="1">
-            <a:schemeClr val="accent1"/>
-          </a:fillRef>
-          <a:effectRef idx="0">
-            <a:schemeClr val="accent1"/>
-          </a:effectRef>
-          <a:fontRef idx="minor">
-            <a:schemeClr val="lt1"/>
-          </a:fontRef>
-        </p:style>
-        <p:txBody>
-          <a:bodyPr rtlCol="0" anchor="ctr"/>
-          <a:lstStyle/>
-          <a:p>
-            <a:pPr algn="ctr"/>
-            <a:r>
-              <a:rPr lang="en-US">
-                <a:solidFill>
-                  <a:schemeClr val="tx1"/>
-                </a:solidFill>
-              </a:rPr>
-              <a:t>Stats</a:t>
-            </a:r>
-          </a:p>
-        </p:txBody>
-      </p:sp>
-      <p:sp>
-        <p:nvSpPr>
-          <p:cNvPr id="66" name="Rectángulo: esquinas redondeadas 65">
-            <a:extLst>
-              <a:ext uri="{FF2B5EF4-FFF2-40B4-BE49-F238E27FC236}">
-                <a16:creationId xmlns:a16="http://schemas.microsoft.com/office/drawing/2014/main" id="{AB32D61D-2C54-41E9-8E06-DE968687DFDA}"/>
-              </a:ext>
-            </a:extLst>
-          </p:cNvPr>
-          <p:cNvSpPr/>
-          <p:nvPr/>
-        </p:nvSpPr>
-        <p:spPr>
-          <a:xfrm>
-            <a:off x="1220142" y="5910414"/>
-            <a:ext cx="1132513" cy="407524"/>
-          </a:xfrm>
-          <a:prstGeom prst="roundRect">
-            <a:avLst/>
-          </a:prstGeom>
-          <a:solidFill>
-            <a:schemeClr val="bg1"/>
-          </a:solidFill>
-          <a:ln w="28575">
-            <a:solidFill>
-              <a:schemeClr val="tx1"/>
-            </a:solidFill>
-          </a:ln>
-        </p:spPr>
-        <p:style>
-          <a:lnRef idx="2">
-            <a:schemeClr val="accent1">
-              <a:shade val="50000"/>
-            </a:schemeClr>
-          </a:lnRef>
-          <a:fillRef idx="1">
-            <a:schemeClr val="accent1"/>
-          </a:fillRef>
-          <a:effectRef idx="0">
-            <a:schemeClr val="accent1"/>
-          </a:effectRef>
-          <a:fontRef idx="minor">
-            <a:schemeClr val="lt1"/>
-          </a:fontRef>
-        </p:style>
-        <p:txBody>
-          <a:bodyPr rtlCol="0" anchor="ctr"/>
-          <a:lstStyle/>
-          <a:p>
-            <a:pPr algn="ctr"/>
-            <a:r>
-              <a:rPr lang="en-US">
-                <a:solidFill>
-                  <a:schemeClr val="tx1"/>
-                </a:solidFill>
-              </a:rPr>
-              <a:t>Stats</a:t>
-            </a:r>
-          </a:p>
-        </p:txBody>
-      </p:sp>
-      <p:sp>
-        <p:nvSpPr>
-          <p:cNvPr id="68" name="Rectángulo: esquinas redondeadas 67">
-            <a:extLst>
-              <a:ext uri="{FF2B5EF4-FFF2-40B4-BE49-F238E27FC236}">
-                <a16:creationId xmlns:a16="http://schemas.microsoft.com/office/drawing/2014/main" id="{44ADA7A2-C98A-4606-8CB5-7F01708280EA}"/>
-              </a:ext>
-            </a:extLst>
-          </p:cNvPr>
-          <p:cNvSpPr/>
-          <p:nvPr/>
-        </p:nvSpPr>
-        <p:spPr>
-          <a:xfrm>
-            <a:off x="2040982" y="4067734"/>
-            <a:ext cx="1132513" cy="407524"/>
-          </a:xfrm>
-          <a:prstGeom prst="roundRect">
-            <a:avLst/>
-          </a:prstGeom>
-          <a:solidFill>
-            <a:schemeClr val="bg1"/>
-          </a:solidFill>
-          <a:ln w="28575">
-            <a:solidFill>
-              <a:schemeClr val="tx1"/>
-            </a:solidFill>
-          </a:ln>
-        </p:spPr>
-        <p:style>
-          <a:lnRef idx="2">
-            <a:schemeClr val="accent1">
-              <a:shade val="50000"/>
-            </a:schemeClr>
-          </a:lnRef>
-          <a:fillRef idx="1">
-            <a:schemeClr val="accent1"/>
-          </a:fillRef>
-          <a:effectRef idx="0">
-            <a:schemeClr val="accent1"/>
-          </a:effectRef>
-          <a:fontRef idx="minor">
-            <a:schemeClr val="lt1"/>
-          </a:fontRef>
-        </p:style>
-        <p:txBody>
-          <a:bodyPr rtlCol="0" anchor="ctr"/>
-          <a:lstStyle/>
-          <a:p>
-            <a:pPr algn="ctr"/>
-            <a:r>
-              <a:rPr lang="en-US" dirty="0">
-                <a:solidFill>
-                  <a:schemeClr val="tx1"/>
-                </a:solidFill>
-              </a:rPr>
-              <a:t>Physics</a:t>
-            </a:r>
-            <a:endParaRPr lang="es-UY" dirty="0">
-              <a:solidFill>
-                <a:schemeClr val="tx1"/>
-              </a:solidFill>
-            </a:endParaRPr>
-          </a:p>
-        </p:txBody>
-      </p:sp>
-      <p:sp>
-        <p:nvSpPr>
-          <p:cNvPr id="70" name="Rectángulo: esquinas redondeadas 69">
-            <a:extLst>
-              <a:ext uri="{FF2B5EF4-FFF2-40B4-BE49-F238E27FC236}">
-                <a16:creationId xmlns:a16="http://schemas.microsoft.com/office/drawing/2014/main" id="{79FF7596-5090-4275-BA3F-E93C0833CE8D}"/>
-              </a:ext>
-            </a:extLst>
-          </p:cNvPr>
-          <p:cNvSpPr/>
-          <p:nvPr/>
-        </p:nvSpPr>
-        <p:spPr>
-          <a:xfrm>
-            <a:off x="6187474" y="1215365"/>
-            <a:ext cx="1080000" cy="1080000"/>
-          </a:xfrm>
-          <a:prstGeom prst="roundRect">
-            <a:avLst/>
-          </a:prstGeom>
-          <a:noFill/>
-          <a:ln w="38100">
-            <a:solidFill>
-              <a:schemeClr val="accent6"/>
-            </a:solidFill>
-          </a:ln>
-        </p:spPr>
-        <p:style>
-          <a:lnRef idx="2">
-            <a:schemeClr val="accent1">
-              <a:shade val="50000"/>
-            </a:schemeClr>
-          </a:lnRef>
-          <a:fillRef idx="1">
-            <a:schemeClr val="accent1"/>
-          </a:fillRef>
-          <a:effectRef idx="0">
-            <a:schemeClr val="accent1"/>
-          </a:effectRef>
-          <a:fontRef idx="minor">
-            <a:schemeClr val="lt1"/>
-          </a:fontRef>
-        </p:style>
-        <p:txBody>
-          <a:bodyPr rtlCol="0" anchor="ctr"/>
-          <a:lstStyle/>
-          <a:p>
-            <a:pPr algn="ctr"/>
-            <a:r>
-              <a:rPr lang="en-US" sz="1600" i="1" u="sng" dirty="0">
-                <a:solidFill>
-                  <a:schemeClr val="tx1"/>
-                </a:solidFill>
-              </a:rPr>
-              <a:t>Script 6</a:t>
-            </a:r>
-            <a:r>
-              <a:rPr lang="en-US" sz="1600" u="sng" dirty="0">
-                <a:solidFill>
-                  <a:schemeClr val="tx1"/>
-                </a:solidFill>
-              </a:rPr>
-              <a:t> </a:t>
-            </a:r>
-            <a:r>
-              <a:rPr lang="en-US" sz="1400" dirty="0">
-                <a:solidFill>
-                  <a:schemeClr val="tx1"/>
-                </a:solidFill>
-              </a:rPr>
-              <a:t>Universal Animation Events</a:t>
-            </a:r>
-          </a:p>
-        </p:txBody>
-      </p:sp>
-      <p:sp>
-        <p:nvSpPr>
-          <p:cNvPr id="26" name="Rectángulo: esquinas redondeadas 25">
-            <a:extLst>
-              <a:ext uri="{FF2B5EF4-FFF2-40B4-BE49-F238E27FC236}">
-                <a16:creationId xmlns:a16="http://schemas.microsoft.com/office/drawing/2014/main" id="{C6388224-D85F-43E7-BDA2-DB37AFDCF38A}"/>
-              </a:ext>
-            </a:extLst>
-          </p:cNvPr>
-          <p:cNvSpPr/>
-          <p:nvPr/>
-        </p:nvSpPr>
-        <p:spPr>
-          <a:xfrm>
-            <a:off x="6071332" y="2582957"/>
-            <a:ext cx="1312284" cy="407524"/>
-          </a:xfrm>
-          <a:prstGeom prst="roundRect">
-            <a:avLst/>
-          </a:prstGeom>
-          <a:solidFill>
-            <a:schemeClr val="bg1"/>
-          </a:solidFill>
-          <a:ln w="28575">
-            <a:solidFill>
-              <a:schemeClr val="tx1"/>
-            </a:solidFill>
-          </a:ln>
-        </p:spPr>
-        <p:style>
-          <a:lnRef idx="2">
-            <a:schemeClr val="accent1">
-              <a:shade val="50000"/>
-            </a:schemeClr>
-          </a:lnRef>
-          <a:fillRef idx="1">
-            <a:schemeClr val="accent1"/>
-          </a:fillRef>
-          <a:effectRef idx="0">
-            <a:schemeClr val="accent1"/>
-          </a:effectRef>
-          <a:fontRef idx="minor">
-            <a:schemeClr val="lt1"/>
-          </a:fontRef>
-        </p:style>
-        <p:txBody>
-          <a:bodyPr rtlCol="0" anchor="ctr"/>
-          <a:lstStyle/>
-          <a:p>
-            <a:pPr algn="ctr"/>
-            <a:r>
-              <a:rPr lang="en-US" dirty="0">
-                <a:solidFill>
-                  <a:schemeClr val="tx1"/>
-                </a:solidFill>
-              </a:rPr>
-              <a:t>Animations</a:t>
-            </a:r>
-          </a:p>
-        </p:txBody>
-      </p:sp>
-      <p:sp>
-        <p:nvSpPr>
-          <p:cNvPr id="27" name="Rectángulo: esquinas redondeadas 26">
-            <a:extLst>
-              <a:ext uri="{FF2B5EF4-FFF2-40B4-BE49-F238E27FC236}">
-                <a16:creationId xmlns:a16="http://schemas.microsoft.com/office/drawing/2014/main" id="{D31D3B60-8144-4AE7-88E0-0AE9DDE301CD}"/>
-              </a:ext>
-            </a:extLst>
-          </p:cNvPr>
-          <p:cNvSpPr/>
-          <p:nvPr/>
-        </p:nvSpPr>
-        <p:spPr>
-          <a:xfrm>
-            <a:off x="3544453" y="1424389"/>
-            <a:ext cx="2332481" cy="648823"/>
-          </a:xfrm>
-          <a:prstGeom prst="roundRect">
-            <a:avLst/>
-          </a:prstGeom>
-          <a:solidFill>
-            <a:schemeClr val="bg1"/>
-          </a:solidFill>
-          <a:ln w="28575">
-            <a:solidFill>
-              <a:schemeClr val="tx1"/>
-            </a:solidFill>
-          </a:ln>
-        </p:spPr>
-        <p:style>
-          <a:lnRef idx="2">
-            <a:schemeClr val="accent1">
-              <a:shade val="50000"/>
-            </a:schemeClr>
-          </a:lnRef>
-          <a:fillRef idx="1">
-            <a:schemeClr val="accent1"/>
-          </a:fillRef>
-          <a:effectRef idx="0">
-            <a:schemeClr val="accent1"/>
-          </a:effectRef>
-          <a:fontRef idx="minor">
-            <a:schemeClr val="lt1"/>
-          </a:fontRef>
-        </p:style>
-        <p:txBody>
-          <a:bodyPr rtlCol="0" anchor="ctr"/>
-          <a:lstStyle/>
-          <a:p>
-            <a:pPr algn="ctr"/>
-            <a:r>
-              <a:rPr lang="en-US" dirty="0">
-                <a:solidFill>
-                  <a:schemeClr val="tx1"/>
-                </a:solidFill>
-              </a:rPr>
-              <a:t>Events can modify any previous script.</a:t>
-            </a:r>
-          </a:p>
-        </p:txBody>
-      </p:sp>
-      <p:cxnSp>
-        <p:nvCxnSpPr>
-          <p:cNvPr id="29" name="Conector recto de flecha 28">
-            <a:extLst>
-              <a:ext uri="{FF2B5EF4-FFF2-40B4-BE49-F238E27FC236}">
-                <a16:creationId xmlns:a16="http://schemas.microsoft.com/office/drawing/2014/main" id="{F7964DF8-4C41-4C3E-A53A-1B336A709A73}"/>
-              </a:ext>
-            </a:extLst>
-          </p:cNvPr>
-          <p:cNvCxnSpPr>
-            <a:cxnSpLocks/>
-            <a:stCxn id="42" idx="3"/>
-            <a:endCxn id="28" idx="1"/>
-          </p:cNvCxnSpPr>
-          <p:nvPr/>
-        </p:nvCxnSpPr>
-        <p:spPr>
-          <a:xfrm>
-            <a:off x="4710694" y="3728426"/>
-            <a:ext cx="1476780" cy="2908"/>
-          </a:xfrm>
-          <a:prstGeom prst="straightConnector1">
-            <a:avLst/>
-          </a:prstGeom>
-          <a:ln w="28575">
-            <a:solidFill>
-              <a:schemeClr val="tx1"/>
-            </a:solidFill>
-            <a:tailEnd type="triangle"/>
-          </a:ln>
-        </p:spPr>
-        <p:style>
-          <a:lnRef idx="1">
-            <a:schemeClr val="accent1"/>
-          </a:lnRef>
-          <a:fillRef idx="0">
-            <a:schemeClr val="accent1"/>
-          </a:fillRef>
-          <a:effectRef idx="0">
-            <a:schemeClr val="accent1"/>
-          </a:effectRef>
-          <a:fontRef idx="minor">
-            <a:schemeClr val="tx1"/>
-          </a:fontRef>
-        </p:style>
-      </p:cxnSp>
-      <p:sp>
-        <p:nvSpPr>
-          <p:cNvPr id="30" name="Rectángulo: esquinas redondeadas 29">
-            <a:extLst>
-              <a:ext uri="{FF2B5EF4-FFF2-40B4-BE49-F238E27FC236}">
-                <a16:creationId xmlns:a16="http://schemas.microsoft.com/office/drawing/2014/main" id="{F7A5EE55-1912-477B-B84C-9436B00592D0}"/>
-              </a:ext>
-            </a:extLst>
-          </p:cNvPr>
-          <p:cNvSpPr/>
-          <p:nvPr/>
-        </p:nvSpPr>
-        <p:spPr>
-          <a:xfrm>
-            <a:off x="4880147" y="3524663"/>
-            <a:ext cx="1132513" cy="407524"/>
-          </a:xfrm>
-          <a:prstGeom prst="roundRect">
-            <a:avLst/>
-          </a:prstGeom>
-          <a:solidFill>
-            <a:schemeClr val="bg1"/>
-          </a:solidFill>
-          <a:ln w="28575">
-            <a:solidFill>
-              <a:schemeClr val="tx1"/>
-            </a:solidFill>
-          </a:ln>
-        </p:spPr>
-        <p:style>
-          <a:lnRef idx="2">
-            <a:schemeClr val="accent1">
-              <a:shade val="50000"/>
-            </a:schemeClr>
-          </a:lnRef>
-          <a:fillRef idx="1">
-            <a:schemeClr val="accent1"/>
-          </a:fillRef>
-          <a:effectRef idx="0">
-            <a:schemeClr val="accent1"/>
-          </a:effectRef>
-          <a:fontRef idx="minor">
-            <a:schemeClr val="lt1"/>
-          </a:fontRef>
-        </p:style>
-        <p:txBody>
-          <a:bodyPr rtlCol="0" anchor="ctr"/>
-          <a:lstStyle/>
-          <a:p>
-            <a:pPr algn="ctr"/>
-            <a:r>
-              <a:rPr lang="en-US" dirty="0">
-                <a:solidFill>
-                  <a:schemeClr val="tx1"/>
-                </a:solidFill>
-              </a:rPr>
-              <a:t>Action</a:t>
-            </a:r>
-          </a:p>
-        </p:txBody>
-      </p:sp>
-      <p:sp>
-        <p:nvSpPr>
-          <p:cNvPr id="42" name="Rectángulo: esquinas redondeadas 41">
-            <a:extLst>
-              <a:ext uri="{FF2B5EF4-FFF2-40B4-BE49-F238E27FC236}">
-                <a16:creationId xmlns:a16="http://schemas.microsoft.com/office/drawing/2014/main" id="{07000055-40F4-490C-A64A-325F9EC763C0}"/>
-              </a:ext>
-            </a:extLst>
-          </p:cNvPr>
-          <p:cNvSpPr/>
-          <p:nvPr/>
-        </p:nvSpPr>
-        <p:spPr>
-          <a:xfrm>
-            <a:off x="3630694" y="3188426"/>
-            <a:ext cx="1080000" cy="1080000"/>
-          </a:xfrm>
-          <a:prstGeom prst="roundRect">
-            <a:avLst/>
-          </a:prstGeom>
-          <a:noFill/>
-          <a:ln w="38100">
-            <a:solidFill>
-              <a:schemeClr val="accent6"/>
-            </a:solidFill>
-          </a:ln>
-        </p:spPr>
-        <p:style>
-          <a:lnRef idx="2">
-            <a:schemeClr val="accent1">
-              <a:shade val="50000"/>
-            </a:schemeClr>
-          </a:lnRef>
-          <a:fillRef idx="1">
-            <a:schemeClr val="accent1"/>
-          </a:fillRef>
-          <a:effectRef idx="0">
-            <a:schemeClr val="accent1"/>
-          </a:effectRef>
-          <a:fontRef idx="minor">
-            <a:schemeClr val="lt1"/>
-          </a:fontRef>
-        </p:style>
-        <p:txBody>
-          <a:bodyPr rtlCol="0" anchor="ctr"/>
-          <a:lstStyle/>
-          <a:p>
-            <a:pPr algn="ctr"/>
-            <a:r>
-              <a:rPr lang="en-US" sz="1600" i="1" u="sng" dirty="0">
-                <a:solidFill>
-                  <a:schemeClr val="tx1"/>
-                </a:solidFill>
-              </a:rPr>
-              <a:t>Script 5</a:t>
-            </a:r>
-            <a:r>
-              <a:rPr lang="en-US" sz="1600" i="1" dirty="0">
-                <a:solidFill>
-                  <a:schemeClr val="tx1"/>
-                </a:solidFill>
-              </a:rPr>
-              <a:t> </a:t>
-            </a:r>
-            <a:r>
-              <a:rPr lang="en-US" sz="1600" dirty="0">
-                <a:solidFill>
-                  <a:schemeClr val="tx1"/>
-                </a:solidFill>
-              </a:rPr>
-              <a:t>Action Manager</a:t>
-            </a:r>
-          </a:p>
-        </p:txBody>
-      </p:sp>
-      <p:sp>
-        <p:nvSpPr>
-          <p:cNvPr id="28" name="Rectángulo: esquinas redondeadas 27">
-            <a:extLst>
-              <a:ext uri="{FF2B5EF4-FFF2-40B4-BE49-F238E27FC236}">
-                <a16:creationId xmlns:a16="http://schemas.microsoft.com/office/drawing/2014/main" id="{D08FD934-47C2-4F7C-BC6F-2E55FBB34E85}"/>
-              </a:ext>
-            </a:extLst>
-          </p:cNvPr>
-          <p:cNvSpPr/>
-          <p:nvPr/>
-        </p:nvSpPr>
-        <p:spPr>
-          <a:xfrm>
-            <a:off x="6187474" y="3191334"/>
-            <a:ext cx="1080000" cy="1080000"/>
-          </a:xfrm>
-          <a:prstGeom prst="roundRect">
-            <a:avLst/>
-          </a:prstGeom>
-          <a:noFill/>
-          <a:ln w="38100">
-            <a:solidFill>
-              <a:schemeClr val="accent6"/>
-            </a:solidFill>
-          </a:ln>
-        </p:spPr>
-        <p:style>
-          <a:lnRef idx="2">
-            <a:schemeClr val="accent1">
-              <a:shade val="50000"/>
-            </a:schemeClr>
-          </a:lnRef>
-          <a:fillRef idx="1">
-            <a:schemeClr val="accent1"/>
-          </a:fillRef>
-          <a:effectRef idx="0">
-            <a:schemeClr val="accent1"/>
-          </a:effectRef>
-          <a:fontRef idx="minor">
-            <a:schemeClr val="lt1"/>
-          </a:fontRef>
-        </p:style>
-        <p:txBody>
-          <a:bodyPr rtlCol="0" anchor="ctr"/>
-          <a:lstStyle/>
-          <a:p>
-            <a:pPr algn="ctr"/>
-            <a:r>
-              <a:rPr lang="en-US" sz="1600" i="1" u="sng" dirty="0">
-                <a:solidFill>
-                  <a:schemeClr val="tx1"/>
-                </a:solidFill>
-              </a:rPr>
-              <a:t>Script 7 </a:t>
-            </a:r>
-            <a:r>
-              <a:rPr lang="en-US" sz="1400" dirty="0">
-                <a:solidFill>
-                  <a:schemeClr val="tx1"/>
-                </a:solidFill>
-              </a:rPr>
-              <a:t>Character Animation Manager</a:t>
-            </a:r>
-          </a:p>
-        </p:txBody>
-      </p:sp>
-    </p:spTree>
-    <p:extLst>
-      <p:ext uri="{BB962C8B-B14F-4D97-AF65-F5344CB8AC3E}">
-        <p14:creationId xmlns:p14="http://schemas.microsoft.com/office/powerpoint/2010/main" val="3683924910"/>
-      </p:ext>
-    </p:extLst>
-  </p:cSld>
-  <p:clrMapOvr>
-    <a:masterClrMapping/>
-  </p:clrMapOvr>
-</p:sld>
-</file>
-
-<file path=ppt/slides/slide3.xml><?xml version="1.0" encoding="utf-8"?>
-<p:sld xmlns:a="http://schemas.openxmlformats.org/drawingml/2006/main" xmlns:r="http://schemas.openxmlformats.org/officeDocument/2006/relationships" xmlns:p="http://schemas.openxmlformats.org/presentationml/2006/main">
-  <p:cSld>
-    <p:spTree>
-      <p:nvGrpSpPr>
-        <p:cNvPr id="1" name=""/>
-        <p:cNvGrpSpPr/>
-        <p:nvPr/>
-      </p:nvGrpSpPr>
-      <p:grpSpPr>
-        <a:xfrm>
-          <a:off x="0" y="0"/>
-          <a:ext cx="0" cy="0"/>
-          <a:chOff x="0" y="0"/>
-          <a:chExt cx="0" cy="0"/>
-        </a:xfrm>
-      </p:grpSpPr>
-      <p:cxnSp>
-        <p:nvCxnSpPr>
           <p:cNvPr id="76" name="Conector recto de flecha 75">
             <a:extLst>
               <a:ext uri="{FF2B5EF4-FFF2-40B4-BE49-F238E27FC236}">
@@ -6398,6 +4903,36 @@
           </a:p>
         </p:txBody>
       </p:sp>
+      <p:pic>
+        <p:nvPicPr>
+          <p:cNvPr id="11" name="Imagen 10">
+            <a:extLst>
+              <a:ext uri="{FF2B5EF4-FFF2-40B4-BE49-F238E27FC236}">
+                <a16:creationId xmlns:a16="http://schemas.microsoft.com/office/drawing/2014/main" id="{70BF4C38-269B-4424-83B8-384ACD599ACE}"/>
+              </a:ext>
+            </a:extLst>
+          </p:cNvPr>
+          <p:cNvPicPr>
+            <a:picLocks noChangeAspect="1"/>
+          </p:cNvPicPr>
+          <p:nvPr/>
+        </p:nvPicPr>
+        <p:blipFill>
+          <a:blip r:embed="rId2"/>
+          <a:stretch>
+            <a:fillRect/>
+          </a:stretch>
+        </p:blipFill>
+        <p:spPr>
+          <a:xfrm>
+            <a:off x="3381225" y="3735555"/>
+            <a:ext cx="6238875" cy="3019425"/>
+          </a:xfrm>
+          <a:prstGeom prst="rect">
+            <a:avLst/>
+          </a:prstGeom>
+        </p:spPr>
+      </p:pic>
     </p:spTree>
     <p:extLst>
       <p:ext uri="{BB962C8B-B14F-4D97-AF65-F5344CB8AC3E}">

--- a/03 - Animaciones.pptx
+++ b/03 - Animaciones.pptx
@@ -5,11 +5,12 @@
     <p:sldMasterId id="2147483672" r:id="rId1"/>
   </p:sldMasterIdLst>
   <p:notesMasterIdLst>
-    <p:notesMasterId r:id="rId4"/>
+    <p:notesMasterId r:id="rId5"/>
   </p:notesMasterIdLst>
   <p:sldIdLst>
     <p:sldId id="338" r:id="rId2"/>
     <p:sldId id="554" r:id="rId3"/>
+    <p:sldId id="555" r:id="rId4"/>
   </p:sldIdLst>
   <p:sldSz cx="12192000" cy="6858000"/>
   <p:notesSz cx="6858000" cy="9144000"/>
@@ -221,7 +222,7 @@
           <a:p>
             <a:fld id="{F7B5F293-33C8-4CC1-BF75-E4FD468BB3EB}" type="datetimeFigureOut">
               <a:rPr lang="es-UY" smtClean="0"/>
-              <a:t>29/8/2024</a:t>
+              <a:t>30/8/2024</a:t>
             </a:fld>
             <a:endParaRPr lang="es-UY" dirty="0"/>
           </a:p>
@@ -620,7 +621,7 @@
           <a:p>
             <a:fld id="{BE7F4C33-09C2-42C2-8546-5DB640DB547A}" type="datetimeFigureOut">
               <a:rPr lang="es-UY" smtClean="0"/>
-              <a:t>29/8/2024</a:t>
+              <a:t>30/8/2024</a:t>
             </a:fld>
             <a:endParaRPr lang="es-UY" dirty="0"/>
           </a:p>
@@ -790,7 +791,7 @@
           <a:p>
             <a:fld id="{BE7F4C33-09C2-42C2-8546-5DB640DB547A}" type="datetimeFigureOut">
               <a:rPr lang="es-UY" smtClean="0"/>
-              <a:t>29/8/2024</a:t>
+              <a:t>30/8/2024</a:t>
             </a:fld>
             <a:endParaRPr lang="es-UY" dirty="0"/>
           </a:p>
@@ -970,7 +971,7 @@
           <a:p>
             <a:fld id="{BE7F4C33-09C2-42C2-8546-5DB640DB547A}" type="datetimeFigureOut">
               <a:rPr lang="es-UY" smtClean="0"/>
-              <a:t>29/8/2024</a:t>
+              <a:t>30/8/2024</a:t>
             </a:fld>
             <a:endParaRPr lang="es-UY" dirty="0"/>
           </a:p>
@@ -1140,7 +1141,7 @@
           <a:p>
             <a:fld id="{BE7F4C33-09C2-42C2-8546-5DB640DB547A}" type="datetimeFigureOut">
               <a:rPr lang="es-UY" smtClean="0"/>
-              <a:t>29/8/2024</a:t>
+              <a:t>30/8/2024</a:t>
             </a:fld>
             <a:endParaRPr lang="es-UY" dirty="0"/>
           </a:p>
@@ -1386,7 +1387,7 @@
           <a:p>
             <a:fld id="{BE7F4C33-09C2-42C2-8546-5DB640DB547A}" type="datetimeFigureOut">
               <a:rPr lang="es-UY" smtClean="0"/>
-              <a:t>29/8/2024</a:t>
+              <a:t>30/8/2024</a:t>
             </a:fld>
             <a:endParaRPr lang="es-UY" dirty="0"/>
           </a:p>
@@ -1618,7 +1619,7 @@
           <a:p>
             <a:fld id="{BE7F4C33-09C2-42C2-8546-5DB640DB547A}" type="datetimeFigureOut">
               <a:rPr lang="es-UY" smtClean="0"/>
-              <a:t>29/8/2024</a:t>
+              <a:t>30/8/2024</a:t>
             </a:fld>
             <a:endParaRPr lang="es-UY" dirty="0"/>
           </a:p>
@@ -1985,7 +1986,7 @@
           <a:p>
             <a:fld id="{BE7F4C33-09C2-42C2-8546-5DB640DB547A}" type="datetimeFigureOut">
               <a:rPr lang="es-UY" smtClean="0"/>
-              <a:t>29/8/2024</a:t>
+              <a:t>30/8/2024</a:t>
             </a:fld>
             <a:endParaRPr lang="es-UY" dirty="0"/>
           </a:p>
@@ -2103,7 +2104,7 @@
           <a:p>
             <a:fld id="{BE7F4C33-09C2-42C2-8546-5DB640DB547A}" type="datetimeFigureOut">
               <a:rPr lang="es-UY" smtClean="0"/>
-              <a:t>29/8/2024</a:t>
+              <a:t>30/8/2024</a:t>
             </a:fld>
             <a:endParaRPr lang="es-UY" dirty="0"/>
           </a:p>
@@ -2198,7 +2199,7 @@
           <a:p>
             <a:fld id="{BE7F4C33-09C2-42C2-8546-5DB640DB547A}" type="datetimeFigureOut">
               <a:rPr lang="es-UY" smtClean="0"/>
-              <a:t>29/8/2024</a:t>
+              <a:t>30/8/2024</a:t>
             </a:fld>
             <a:endParaRPr lang="es-UY" dirty="0"/>
           </a:p>
@@ -2475,7 +2476,7 @@
           <a:p>
             <a:fld id="{BE7F4C33-09C2-42C2-8546-5DB640DB547A}" type="datetimeFigureOut">
               <a:rPr lang="es-UY" smtClean="0"/>
-              <a:t>29/8/2024</a:t>
+              <a:t>30/8/2024</a:t>
             </a:fld>
             <a:endParaRPr lang="es-UY" dirty="0"/>
           </a:p>
@@ -2732,7 +2733,7 @@
           <a:p>
             <a:fld id="{BE7F4C33-09C2-42C2-8546-5DB640DB547A}" type="datetimeFigureOut">
               <a:rPr lang="es-UY" smtClean="0"/>
-              <a:t>29/8/2024</a:t>
+              <a:t>30/8/2024</a:t>
             </a:fld>
             <a:endParaRPr lang="es-UY" dirty="0"/>
           </a:p>
@@ -2945,7 +2946,7 @@
           <a:p>
             <a:fld id="{BE7F4C33-09C2-42C2-8546-5DB640DB547A}" type="datetimeFigureOut">
               <a:rPr lang="es-UY" smtClean="0"/>
-              <a:t>29/8/2024</a:t>
+              <a:t>30/8/2024</a:t>
             </a:fld>
             <a:endParaRPr lang="es-UY" dirty="0"/>
           </a:p>
@@ -4937,6 +4938,66 @@
     <p:extLst>
       <p:ext uri="{BB962C8B-B14F-4D97-AF65-F5344CB8AC3E}">
         <p14:creationId xmlns:p14="http://schemas.microsoft.com/office/powerpoint/2010/main" val="1211928211"/>
+      </p:ext>
+    </p:extLst>
+  </p:cSld>
+  <p:clrMapOvr>
+    <a:masterClrMapping/>
+  </p:clrMapOvr>
+</p:sld>
+</file>
+
+<file path=ppt/slides/slide3.xml><?xml version="1.0" encoding="utf-8"?>
+<p:sld xmlns:a="http://schemas.openxmlformats.org/drawingml/2006/main" xmlns:r="http://schemas.openxmlformats.org/officeDocument/2006/relationships" xmlns:p="http://schemas.openxmlformats.org/presentationml/2006/main">
+  <p:cSld>
+    <p:spTree>
+      <p:nvGrpSpPr>
+        <p:cNvPr id="1" name=""/>
+        <p:cNvGrpSpPr/>
+        <p:nvPr/>
+      </p:nvGrpSpPr>
+      <p:grpSpPr>
+        <a:xfrm>
+          <a:off x="0" y="0"/>
+          <a:ext cx="0" cy="0"/>
+          <a:chOff x="0" y="0"/>
+          <a:chExt cx="0" cy="0"/>
+        </a:xfrm>
+      </p:grpSpPr>
+      <p:pic>
+        <p:nvPicPr>
+          <p:cNvPr id="3" name="Imagen 2">
+            <a:extLst>
+              <a:ext uri="{FF2B5EF4-FFF2-40B4-BE49-F238E27FC236}">
+                <a16:creationId xmlns:a16="http://schemas.microsoft.com/office/drawing/2014/main" id="{39878C87-2158-4ABF-804C-6B3C43F6F5C6}"/>
+              </a:ext>
+            </a:extLst>
+          </p:cNvPr>
+          <p:cNvPicPr>
+            <a:picLocks noChangeAspect="1"/>
+          </p:cNvPicPr>
+          <p:nvPr/>
+        </p:nvPicPr>
+        <p:blipFill>
+          <a:blip r:embed="rId2"/>
+          <a:stretch>
+            <a:fillRect/>
+          </a:stretch>
+        </p:blipFill>
+        <p:spPr>
+          <a:xfrm>
+            <a:off x="1962150" y="752475"/>
+            <a:ext cx="8267700" cy="5353050"/>
+          </a:xfrm>
+          <a:prstGeom prst="rect">
+            <a:avLst/>
+          </a:prstGeom>
+        </p:spPr>
+      </p:pic>
+    </p:spTree>
+    <p:extLst>
+      <p:ext uri="{BB962C8B-B14F-4D97-AF65-F5344CB8AC3E}">
+        <p14:creationId xmlns:p14="http://schemas.microsoft.com/office/powerpoint/2010/main" val="3934802969"/>
       </p:ext>
     </p:extLst>
   </p:cSld>
